--- a/slides/Dissertation.pptx
+++ b/slides/Dissertation.pptx
@@ -255,7 +255,7 @@
           <a:p>
             <a:fld id="{E8D091DB-6C8E-944D-BED9-A064CB66A41E}" type="datetimeFigureOut">
               <a:rPr lang="en-US" smtClean="0"/>
-              <a:t>4/13/24</a:t>
+              <a:t>4/14/24</a:t>
             </a:fld>
             <a:endParaRPr lang="en-US"/>
           </a:p>
@@ -867,16 +867,7 @@
                 <a:effectLst/>
                 <a:latin typeface="+mn-lt"/>
               </a:rPr>
-              <a:t>2. Deep Learning Applications:</a:t>
-            </a:r>
-          </a:p>
-          <a:p>
-            <a:r>
-              <a:rPr lang="en-IE" dirty="0">
-                <a:effectLst/>
-                <a:latin typeface="+mn-lt"/>
-              </a:rPr>
-              <a:t>    - Use deep learning techniques to process EEG data, including mixed time-frequency EEG inputs, and semi-supervised generative adversarial networks.</a:t>
+              <a:t>The sensitivity is 92% but the false alarm rate is 1.85 per hour.</a:t>
             </a:r>
           </a:p>
           <a:p>
@@ -892,24 +883,6 @@
             </a:endParaRPr>
           </a:p>
           <a:p>
-            <a:r>
-              <a:rPr lang="en-IE" dirty="0">
-                <a:effectLst/>
-                <a:latin typeface="+mn-lt"/>
-              </a:rPr>
-              <a:t>3. Wearable EEG:</a:t>
-            </a:r>
-          </a:p>
-          <a:p>
-            <a:r>
-              <a:rPr lang="en-IE" dirty="0">
-                <a:effectLst/>
-                <a:latin typeface="+mn-lt"/>
-              </a:rPr>
-              <a:t>    - Wearable EEG devices for long-term monitoring and epilepsy management, particularly in non-clinical settings.</a:t>
-            </a:r>
-          </a:p>
-          <a:p>
             <a:br>
               <a:rPr lang="en-IE" dirty="0">
                 <a:effectLst/>
@@ -922,13 +895,16 @@
             </a:endParaRPr>
           </a:p>
           <a:p>
-            <a:r>
+            <a:br>
               <a:rPr lang="en-IE" dirty="0">
                 <a:effectLst/>
                 <a:latin typeface="+mn-lt"/>
               </a:rPr>
-              <a:t>4. Non-invasive solutions:</a:t>
-            </a:r>
+            </a:br>
+            <a:endParaRPr lang="en-IE" dirty="0">
+              <a:effectLst/>
+              <a:latin typeface="+mn-lt"/>
+            </a:endParaRPr>
           </a:p>
           <a:p>
             <a:r>
@@ -936,7 +912,146 @@
                 <a:effectLst/>
                 <a:latin typeface="+mn-lt"/>
               </a:rPr>
-              <a:t>    - Non-invasive mobile EEG solutions can support the potential of using these technologies in personalized medicine.</a:t>
+              <a:t>2. Deep Learning Applications:</a:t>
+            </a:r>
+          </a:p>
+          <a:p>
+            <a:r>
+              <a:rPr lang="en-IE" dirty="0">
+                <a:effectLst/>
+                <a:latin typeface="+mn-lt"/>
+              </a:rPr>
+              <a:t>    - Use deep learning techniques to process EEG data, including mixed time-frequency EEG inputs, and semi-supervised generative adversarial networks.</a:t>
+            </a:r>
+          </a:p>
+          <a:p>
+            <a:br>
+              <a:rPr lang="en-IE" dirty="0">
+                <a:effectLst/>
+                <a:latin typeface="+mn-lt"/>
+              </a:rPr>
+            </a:br>
+            <a:endParaRPr lang="en-IE" dirty="0">
+              <a:effectLst/>
+              <a:latin typeface="+mn-lt"/>
+            </a:endParaRPr>
+          </a:p>
+          <a:p>
+            <a:r>
+              <a:rPr lang="en-IE" dirty="0" err="1">
+                <a:effectLst/>
+                <a:latin typeface="+mn-lt"/>
+              </a:rPr>
+              <a:t>SeizNet</a:t>
+            </a:r>
+            <a:r>
+              <a:rPr lang="en-IE" dirty="0">
+                <a:effectLst/>
+                <a:latin typeface="+mn-lt"/>
+              </a:rPr>
+              <a:t>:  sensitive 93.3%, False alarm 0.58 per hour.</a:t>
+            </a:r>
+          </a:p>
+          <a:p>
+            <a:r>
+              <a:rPr lang="en-IE" dirty="0">
+                <a:effectLst/>
+                <a:latin typeface="+mn-lt"/>
+              </a:rPr>
+              <a:t>FCN (full connect network): sensitive 99.6%, false alarm 0.5 per hour.</a:t>
+            </a:r>
+          </a:p>
+          <a:p>
+            <a:r>
+              <a:rPr lang="en-IE" dirty="0">
+                <a:effectLst/>
+                <a:latin typeface="+mn-lt"/>
+              </a:rPr>
+              <a:t>LSTM performance is not well, only 87.7 accuracy.</a:t>
+            </a:r>
+          </a:p>
+          <a:p>
+            <a:br>
+              <a:rPr lang="en-IE" dirty="0">
+                <a:effectLst/>
+                <a:latin typeface="+mn-lt"/>
+              </a:rPr>
+            </a:br>
+            <a:endParaRPr lang="en-IE" dirty="0">
+              <a:effectLst/>
+              <a:latin typeface="+mn-lt"/>
+            </a:endParaRPr>
+          </a:p>
+          <a:p>
+            <a:br>
+              <a:rPr lang="en-IE" dirty="0">
+                <a:effectLst/>
+                <a:latin typeface="+mn-lt"/>
+              </a:rPr>
+            </a:br>
+            <a:endParaRPr lang="en-IE" dirty="0">
+              <a:effectLst/>
+              <a:latin typeface="+mn-lt"/>
+            </a:endParaRPr>
+          </a:p>
+          <a:p>
+            <a:r>
+              <a:rPr lang="en-IE" dirty="0">
+                <a:effectLst/>
+                <a:latin typeface="+mn-lt"/>
+              </a:rPr>
+              <a:t>3. Wearable EEG:</a:t>
+            </a:r>
+          </a:p>
+          <a:p>
+            <a:r>
+              <a:rPr lang="en-IE" dirty="0">
+                <a:effectLst/>
+                <a:latin typeface="+mn-lt"/>
+              </a:rPr>
+              <a:t>    - Wearable EEG devices for long-term monitoring and epilepsy management, particularly in non-clinical settings.</a:t>
+            </a:r>
+          </a:p>
+          <a:p>
+            <a:br>
+              <a:rPr lang="en-IE" dirty="0">
+                <a:effectLst/>
+                <a:latin typeface="+mn-lt"/>
+              </a:rPr>
+            </a:br>
+            <a:endParaRPr lang="en-IE" dirty="0">
+              <a:effectLst/>
+              <a:latin typeface="+mn-lt"/>
+            </a:endParaRPr>
+          </a:p>
+          <a:p>
+            <a:r>
+              <a:rPr lang="en-IE" dirty="0">
+                <a:effectLst/>
+                <a:latin typeface="+mn-lt"/>
+              </a:rPr>
+              <a:t>Average sensitive: 78.83% </a:t>
+            </a:r>
+          </a:p>
+          <a:p>
+            <a:br>
+              <a:rPr lang="en-IE" dirty="0">
+                <a:effectLst/>
+                <a:latin typeface="+mn-lt"/>
+              </a:rPr>
+            </a:br>
+            <a:endParaRPr lang="en-IE" dirty="0">
+              <a:effectLst/>
+              <a:latin typeface="+mn-lt"/>
+            </a:endParaRPr>
+          </a:p>
+          <a:p>
+            <a:r>
+              <a:rPr lang="en-IE" dirty="0">
+                <a:effectLst/>
+                <a:latin typeface="+mn-lt"/>
+              </a:rPr>
+              <a:t>But the result looks wired, it is looks like the third one is do the real experimental but the result is low.</a:t>
             </a:r>
           </a:p>
           <a:p>
@@ -1504,7 +1619,7 @@
             <a:fld id="{1D8BD707-D9CF-40AE-B4C6-C98DA3205C09}" type="datetimeFigureOut">
               <a:rPr lang="en-US" smtClean="0"/>
               <a:pPr/>
-              <a:t>4/13/24</a:t>
+              <a:t>4/14/24</a:t>
             </a:fld>
             <a:endParaRPr lang="en-US"/>
           </a:p>
@@ -1669,7 +1784,7 @@
             <a:fld id="{1D8BD707-D9CF-40AE-B4C6-C98DA3205C09}" type="datetimeFigureOut">
               <a:rPr lang="en-US" smtClean="0"/>
               <a:pPr/>
-              <a:t>4/13/24</a:t>
+              <a:t>4/14/24</a:t>
             </a:fld>
             <a:endParaRPr lang="en-US"/>
           </a:p>
@@ -1844,7 +1959,7 @@
             <a:fld id="{1D8BD707-D9CF-40AE-B4C6-C98DA3205C09}" type="datetimeFigureOut">
               <a:rPr lang="en-US" smtClean="0"/>
               <a:pPr/>
-              <a:t>4/13/24</a:t>
+              <a:t>4/14/24</a:t>
             </a:fld>
             <a:endParaRPr lang="en-US"/>
           </a:p>
@@ -2009,7 +2124,7 @@
             <a:fld id="{1D8BD707-D9CF-40AE-B4C6-C98DA3205C09}" type="datetimeFigureOut">
               <a:rPr lang="en-US" smtClean="0"/>
               <a:pPr/>
-              <a:t>4/13/24</a:t>
+              <a:t>4/14/24</a:t>
             </a:fld>
             <a:endParaRPr lang="en-US"/>
           </a:p>
@@ -2251,7 +2366,7 @@
             <a:fld id="{1D8BD707-D9CF-40AE-B4C6-C98DA3205C09}" type="datetimeFigureOut">
               <a:rPr lang="en-US" smtClean="0"/>
               <a:pPr/>
-              <a:t>4/13/24</a:t>
+              <a:t>4/14/24</a:t>
             </a:fld>
             <a:endParaRPr lang="en-US"/>
           </a:p>
@@ -2533,7 +2648,7 @@
             <a:fld id="{1D8BD707-D9CF-40AE-B4C6-C98DA3205C09}" type="datetimeFigureOut">
               <a:rPr lang="en-US" smtClean="0"/>
               <a:pPr/>
-              <a:t>4/13/24</a:t>
+              <a:t>4/14/24</a:t>
             </a:fld>
             <a:endParaRPr lang="en-US"/>
           </a:p>
@@ -2949,7 +3064,7 @@
             <a:fld id="{1D8BD707-D9CF-40AE-B4C6-C98DA3205C09}" type="datetimeFigureOut">
               <a:rPr lang="en-US" smtClean="0"/>
               <a:pPr/>
-              <a:t>4/13/24</a:t>
+              <a:t>4/14/24</a:t>
             </a:fld>
             <a:endParaRPr lang="en-US"/>
           </a:p>
@@ -3063,7 +3178,7 @@
             <a:fld id="{1D8BD707-D9CF-40AE-B4C6-C98DA3205C09}" type="datetimeFigureOut">
               <a:rPr lang="en-US" smtClean="0"/>
               <a:pPr/>
-              <a:t>4/13/24</a:t>
+              <a:t>4/14/24</a:t>
             </a:fld>
             <a:endParaRPr lang="en-US"/>
           </a:p>
@@ -3155,7 +3270,7 @@
             <a:fld id="{1D8BD707-D9CF-40AE-B4C6-C98DA3205C09}" type="datetimeFigureOut">
               <a:rPr lang="en-US" smtClean="0"/>
               <a:pPr/>
-              <a:t>4/13/24</a:t>
+              <a:t>4/14/24</a:t>
             </a:fld>
             <a:endParaRPr lang="en-US"/>
           </a:p>
@@ -3427,7 +3542,7 @@
             <a:fld id="{1D8BD707-D9CF-40AE-B4C6-C98DA3205C09}" type="datetimeFigureOut">
               <a:rPr lang="en-US" smtClean="0"/>
               <a:pPr/>
-              <a:t>4/13/24</a:t>
+              <a:t>4/14/24</a:t>
             </a:fld>
             <a:endParaRPr lang="en-US"/>
           </a:p>
@@ -3676,7 +3791,7 @@
             <a:fld id="{1D8BD707-D9CF-40AE-B4C6-C98DA3205C09}" type="datetimeFigureOut">
               <a:rPr lang="en-US" smtClean="0"/>
               <a:pPr/>
-              <a:t>4/13/24</a:t>
+              <a:t>4/14/24</a:t>
             </a:fld>
             <a:endParaRPr lang="en-US"/>
           </a:p>
@@ -3884,7 +3999,7 @@
             <a:fld id="{1D8BD707-D9CF-40AE-B4C6-C98DA3205C09}" type="datetimeFigureOut">
               <a:rPr lang="en-US" smtClean="0"/>
               <a:pPr/>
-              <a:t>4/13/24</a:t>
+              <a:t>4/14/24</a:t>
             </a:fld>
             <a:endParaRPr lang="en-US"/>
           </a:p>
@@ -6125,8 +6240,8 @@
         </p:nvSpPr>
         <p:spPr>
           <a:xfrm>
-            <a:off x="1075661" y="3203900"/>
-            <a:ext cx="8296939" cy="5292400"/>
+            <a:off x="1075661" y="3563614"/>
+            <a:ext cx="8121279" cy="4932686"/>
           </a:xfrm>
           <a:prstGeom prst="roundRect">
             <a:avLst/>
@@ -6163,8 +6278,8 @@
         </p:nvSpPr>
         <p:spPr>
           <a:xfrm>
-            <a:off x="1490525" y="3307834"/>
-            <a:ext cx="7815283" cy="5052665"/>
+            <a:off x="1381657" y="3800486"/>
+            <a:ext cx="7815283" cy="4488408"/>
           </a:xfrm>
           <a:prstGeom prst="rect">
             <a:avLst/>
@@ -6245,24 +6360,6 @@
                 <a:latin typeface="Nunito Sans"/>
               </a:rPr>
               <a:t>Wearable EEG</a:t>
-            </a:r>
-          </a:p>
-          <a:p>
-            <a:pPr marL="457200" indent="-457200">
-              <a:lnSpc>
-                <a:spcPts val="4435"/>
-              </a:lnSpc>
-              <a:buFont typeface="Arial" panose="020B0604020202020204" pitchFamily="34" charset="0"/>
-              <a:buChar char="•"/>
-            </a:pPr>
-            <a:r>
-              <a:rPr lang="en-US" sz="3000" dirty="0">
-                <a:solidFill>
-                  <a:srgbClr val="000000"/>
-                </a:solidFill>
-                <a:latin typeface="Nunito Sans"/>
-              </a:rPr>
-              <a:t>Non-invasive</a:t>
             </a:r>
           </a:p>
         </p:txBody>

--- a/slides/Dissertation.pptx
+++ b/slides/Dissertation.pptx
@@ -5,7 +5,7 @@
     <p:sldMasterId id="2147483648" r:id="rId1"/>
   </p:sldMasterIdLst>
   <p:notesMasterIdLst>
-    <p:notesMasterId r:id="rId10"/>
+    <p:notesMasterId r:id="rId11"/>
   </p:notesMasterIdLst>
   <p:sldIdLst>
     <p:sldId id="256" r:id="rId2"/>
@@ -15,48 +15,49 @@
     <p:sldId id="273" r:id="rId6"/>
     <p:sldId id="276" r:id="rId7"/>
     <p:sldId id="274" r:id="rId8"/>
-    <p:sldId id="272" r:id="rId9"/>
+    <p:sldId id="271" r:id="rId9"/>
+    <p:sldId id="272" r:id="rId10"/>
   </p:sldIdLst>
   <p:sldSz cx="18288000" cy="10287000"/>
   <p:notesSz cx="6858000" cy="9144000"/>
   <p:embeddedFontLst>
     <p:embeddedFont>
       <p:font typeface="Arial" panose="020B0604020202020204" pitchFamily="34" charset="0"/>
-      <p:regular r:id="rId11"/>
+      <p:regular r:id="rId12"/>
     </p:embeddedFont>
     <p:embeddedFont>
       <p:font typeface="Calibri" panose="020F0502020204030204" pitchFamily="34" charset="0"/>
-      <p:regular r:id="rId12"/>
-      <p:bold r:id="rId13"/>
-      <p:italic r:id="rId14"/>
-      <p:boldItalic r:id="rId15"/>
+      <p:regular r:id="rId13"/>
+      <p:bold r:id="rId14"/>
+      <p:italic r:id="rId15"/>
+      <p:boldItalic r:id="rId16"/>
     </p:embeddedFont>
     <p:embeddedFont>
       <p:font typeface="Libre Baskerville" panose="02000000000000000000" pitchFamily="2" charset="0"/>
-      <p:regular r:id="rId16"/>
-      <p:bold r:id="rId17"/>
-      <p:italic r:id="rId18"/>
+      <p:regular r:id="rId17"/>
+      <p:bold r:id="rId18"/>
+      <p:italic r:id="rId19"/>
     </p:embeddedFont>
     <p:embeddedFont>
       <p:font typeface="Nunito Sans" pitchFamily="2" charset="77"/>
-      <p:regular r:id="rId19"/>
-      <p:bold r:id="rId20"/>
-      <p:italic r:id="rId21"/>
-      <p:boldItalic r:id="rId22"/>
+      <p:regular r:id="rId20"/>
+      <p:bold r:id="rId21"/>
+      <p:italic r:id="rId22"/>
+      <p:boldItalic r:id="rId23"/>
     </p:embeddedFont>
     <p:embeddedFont>
       <p:font typeface="Nunito Sans Heavy" pitchFamily="2" charset="77"/>
-      <p:regular r:id="rId23"/>
-      <p:bold r:id="rId24"/>
+      <p:regular r:id="rId24"/>
+      <p:bold r:id="rId25"/>
     </p:embeddedFont>
     <p:embeddedFont>
       <p:font typeface="Nunito Sans Semi-Bold" pitchFamily="2" charset="77"/>
-      <p:regular r:id="rId25"/>
-      <p:bold r:id="rId26"/>
+      <p:regular r:id="rId26"/>
+      <p:bold r:id="rId27"/>
     </p:embeddedFont>
     <p:embeddedFont>
       <p:font typeface="Yeseva One" pitchFamily="2" charset="77"/>
-      <p:regular r:id="rId27"/>
+      <p:regular r:id="rId28"/>
     </p:embeddedFont>
   </p:embeddedFontLst>
   <p:defaultTextStyle>
@@ -1420,7 +1421,7 @@
           <a:p>
             <a:fld id="{4B2890EF-48F8-954D-8D9A-ABFA2C0EE5F8}" type="slidenum">
               <a:rPr lang="en-US" smtClean="0"/>
-              <a:t>8</a:t>
+              <a:t>9</a:t>
             </a:fld>
             <a:endParaRPr lang="en-US"/>
           </a:p>
@@ -5871,7 +5872,7 @@
                 </a:solidFill>
                 <a:latin typeface="Nunito Sans"/>
               </a:rPr>
-              <a:t>Seizures is a distinct, abnormal electrographic event with a clear beginning and end comprising sustained, repetitive evolving spike/sharp waves or rhythmic waveforms.</a:t>
+              <a:t>Seizures is a distinct, abnormal electrographic event with a clear beginning and end comprising sustained, repetitive evolving spike/sharp waves or rhythmic waveforms [1].</a:t>
             </a:r>
           </a:p>
           <a:p>
@@ -6323,7 +6324,7 @@
                 </a:solidFill>
                 <a:latin typeface="Nunito Sans"/>
               </a:rPr>
-              <a:t>Integration of EEG and ECG</a:t>
+              <a:t>Integration of EEG and ECG[2]</a:t>
             </a:r>
           </a:p>
           <a:p>
@@ -6341,7 +6342,7 @@
                 </a:solidFill>
                 <a:latin typeface="Nunito Sans"/>
               </a:rPr>
-              <a:t>Deep Learning</a:t>
+              <a:t>Deep Learning[3]</a:t>
             </a:r>
           </a:p>
           <a:p>
@@ -6359,7 +6360,7 @@
                 </a:solidFill>
                 <a:latin typeface="Nunito Sans"/>
               </a:rPr>
-              <a:t>Wearable EEG</a:t>
+              <a:t>Wearable EEG[4]</a:t>
             </a:r>
           </a:p>
         </p:txBody>
@@ -7965,6 +7966,870 @@
 </file>
 
 <file path=ppt/slides/slide8.xml><?xml version="1.0" encoding="utf-8"?>
+<p:sld xmlns:a="http://schemas.openxmlformats.org/drawingml/2006/main" xmlns:r="http://schemas.openxmlformats.org/officeDocument/2006/relationships" xmlns:p="http://schemas.openxmlformats.org/presentationml/2006/main">
+  <p:cSld>
+    <p:spTree>
+      <p:nvGrpSpPr>
+        <p:cNvPr id="1" name=""/>
+        <p:cNvGrpSpPr/>
+        <p:nvPr/>
+      </p:nvGrpSpPr>
+      <p:grpSpPr>
+        <a:xfrm>
+          <a:off x="0" y="0"/>
+          <a:ext cx="0" cy="0"/>
+          <a:chOff x="0" y="0"/>
+          <a:chExt cx="0" cy="0"/>
+        </a:xfrm>
+      </p:grpSpPr>
+      <p:grpSp>
+        <p:nvGrpSpPr>
+          <p:cNvPr id="9" name="Group 9"/>
+          <p:cNvGrpSpPr/>
+          <p:nvPr/>
+        </p:nvGrpSpPr>
+        <p:grpSpPr>
+          <a:xfrm>
+            <a:off x="-2189865" y="3870881"/>
+            <a:ext cx="8730673" cy="2545237"/>
+            <a:chOff x="0" y="0"/>
+            <a:chExt cx="2299437" cy="670351"/>
+          </a:xfrm>
+        </p:grpSpPr>
+        <p:sp>
+          <p:nvSpPr>
+            <p:cNvPr id="10" name="Freeform 10"/>
+            <p:cNvSpPr/>
+            <p:nvPr/>
+          </p:nvSpPr>
+          <p:spPr>
+            <a:xfrm>
+              <a:off x="0" y="0"/>
+              <a:ext cx="2299437" cy="670351"/>
+            </a:xfrm>
+            <a:custGeom>
+              <a:avLst/>
+              <a:gdLst/>
+              <a:ahLst/>
+              <a:cxnLst/>
+              <a:rect l="l" t="t" r="r" b="b"/>
+              <a:pathLst>
+                <a:path w="2299437" h="670351">
+                  <a:moveTo>
+                    <a:pt x="0" y="0"/>
+                  </a:moveTo>
+                  <a:lnTo>
+                    <a:pt x="2299437" y="0"/>
+                  </a:lnTo>
+                  <a:lnTo>
+                    <a:pt x="2299437" y="670351"/>
+                  </a:lnTo>
+                  <a:lnTo>
+                    <a:pt x="0" y="670351"/>
+                  </a:lnTo>
+                  <a:close/>
+                </a:path>
+              </a:pathLst>
+            </a:custGeom>
+            <a:solidFill>
+              <a:srgbClr val="65A4CD"/>
+            </a:solidFill>
+          </p:spPr>
+        </p:sp>
+        <p:sp>
+          <p:nvSpPr>
+            <p:cNvPr id="11" name="TextBox 11"/>
+            <p:cNvSpPr txBox="1"/>
+            <p:nvPr/>
+          </p:nvSpPr>
+          <p:spPr>
+            <a:xfrm>
+              <a:off x="0" y="-38100"/>
+              <a:ext cx="2299437" cy="708451"/>
+            </a:xfrm>
+            <a:prstGeom prst="rect">
+              <a:avLst/>
+            </a:prstGeom>
+          </p:spPr>
+          <p:txBody>
+            <a:bodyPr lIns="50800" tIns="50800" rIns="50800" bIns="50800" rtlCol="0" anchor="ctr"/>
+            <a:lstStyle/>
+            <a:p>
+              <a:pPr algn="ctr">
+                <a:lnSpc>
+                  <a:spcPts val="2800"/>
+                </a:lnSpc>
+              </a:pPr>
+              <a:endParaRPr/>
+            </a:p>
+          </p:txBody>
+        </p:sp>
+      </p:grpSp>
+      <p:sp>
+        <p:nvSpPr>
+          <p:cNvPr id="12" name="TextBox 12"/>
+          <p:cNvSpPr txBox="1"/>
+          <p:nvPr/>
+        </p:nvSpPr>
+        <p:spPr>
+          <a:xfrm>
+            <a:off x="983739" y="4352353"/>
+            <a:ext cx="5557069" cy="1377949"/>
+          </a:xfrm>
+          <a:prstGeom prst="rect">
+            <a:avLst/>
+          </a:prstGeom>
+        </p:spPr>
+        <p:txBody>
+          <a:bodyPr lIns="0" tIns="0" rIns="0" bIns="0" rtlCol="0" anchor="t">
+            <a:spAutoFit/>
+          </a:bodyPr>
+          <a:lstStyle/>
+          <a:p>
+            <a:pPr algn="ctr">
+              <a:lnSpc>
+                <a:spcPts val="11200"/>
+              </a:lnSpc>
+            </a:pPr>
+            <a:r>
+              <a:rPr lang="en-US" sz="8000">
+                <a:solidFill>
+                  <a:srgbClr val="FFFFFF"/>
+                </a:solidFill>
+                <a:latin typeface="Nunito Sans Heavy"/>
+              </a:rPr>
+              <a:t>Reference</a:t>
+            </a:r>
+          </a:p>
+        </p:txBody>
+      </p:sp>
+      <p:sp>
+        <p:nvSpPr>
+          <p:cNvPr id="13" name="TextBox 13"/>
+          <p:cNvSpPr txBox="1"/>
+          <p:nvPr/>
+        </p:nvSpPr>
+        <p:spPr>
+          <a:xfrm>
+            <a:off x="9118600" y="495300"/>
+            <a:ext cx="8474744" cy="1756122"/>
+          </a:xfrm>
+          <a:prstGeom prst="rect">
+            <a:avLst/>
+          </a:prstGeom>
+        </p:spPr>
+        <p:txBody>
+          <a:bodyPr lIns="0" tIns="0" rIns="0" bIns="0" rtlCol="0" anchor="t">
+            <a:spAutoFit/>
+          </a:bodyPr>
+          <a:lstStyle/>
+          <a:p>
+            <a:pPr>
+              <a:lnSpc>
+                <a:spcPts val="3499"/>
+              </a:lnSpc>
+            </a:pPr>
+            <a:r>
+              <a:rPr lang="en-IE" sz="2499" dirty="0">
+                <a:solidFill>
+                  <a:srgbClr val="000000"/>
+                </a:solidFill>
+                <a:latin typeface="Arial"/>
+              </a:rPr>
+              <a:t>[1] S. N. J, K. </a:t>
+            </a:r>
+            <a:r>
+              <a:rPr lang="en-IE" sz="2499" dirty="0" err="1">
+                <a:solidFill>
+                  <a:srgbClr val="000000"/>
+                </a:solidFill>
+                <a:latin typeface="Arial"/>
+              </a:rPr>
+              <a:t>Tapani</a:t>
+            </a:r>
+            <a:r>
+              <a:rPr lang="en-IE" sz="2499" dirty="0">
+                <a:solidFill>
+                  <a:srgbClr val="000000"/>
+                </a:solidFill>
+                <a:latin typeface="Arial"/>
+              </a:rPr>
+              <a:t>, L. </a:t>
+            </a:r>
+            <a:r>
+              <a:rPr lang="en-IE" sz="2499" dirty="0" err="1">
+                <a:solidFill>
+                  <a:srgbClr val="000000"/>
+                </a:solidFill>
+                <a:latin typeface="Arial"/>
+              </a:rPr>
+              <a:t>Lauronen</a:t>
+            </a:r>
+            <a:r>
+              <a:rPr lang="en-IE" sz="2499" dirty="0">
+                <a:solidFill>
+                  <a:srgbClr val="000000"/>
+                </a:solidFill>
+                <a:latin typeface="Arial"/>
+              </a:rPr>
+              <a:t>, and S. </a:t>
+            </a:r>
+            <a:r>
+              <a:rPr lang="en-IE" sz="2499" dirty="0" err="1">
+                <a:solidFill>
+                  <a:srgbClr val="000000"/>
+                </a:solidFill>
+                <a:latin typeface="Arial"/>
+              </a:rPr>
+              <a:t>Vanhatalo</a:t>
+            </a:r>
+            <a:r>
+              <a:rPr lang="en-IE" sz="2499" dirty="0">
+                <a:solidFill>
+                  <a:srgbClr val="000000"/>
+                </a:solidFill>
+                <a:latin typeface="Arial"/>
+              </a:rPr>
+              <a:t>, “A dataset of neonatal EEG recordings with seizure annotations,” Scientific Data, vol. 6, no. 1, p. 190039, 2019, </a:t>
+            </a:r>
+            <a:r>
+              <a:rPr lang="en-IE" sz="2499" dirty="0" err="1">
+                <a:solidFill>
+                  <a:srgbClr val="000000"/>
+                </a:solidFill>
+                <a:latin typeface="Arial"/>
+              </a:rPr>
+              <a:t>doi</a:t>
+            </a:r>
+            <a:r>
+              <a:rPr lang="en-IE" sz="2499" dirty="0">
+                <a:solidFill>
+                  <a:srgbClr val="000000"/>
+                </a:solidFill>
+                <a:latin typeface="Arial"/>
+              </a:rPr>
+              <a:t>: https://</a:t>
+            </a:r>
+            <a:r>
+              <a:rPr lang="en-IE" sz="2499" dirty="0" err="1">
+                <a:solidFill>
+                  <a:srgbClr val="000000"/>
+                </a:solidFill>
+                <a:latin typeface="Arial"/>
+              </a:rPr>
+              <a:t>doi.org</a:t>
+            </a:r>
+            <a:r>
+              <a:rPr lang="en-IE" sz="2499" dirty="0">
+                <a:solidFill>
+                  <a:srgbClr val="000000"/>
+                </a:solidFill>
+                <a:latin typeface="Arial"/>
+              </a:rPr>
+              <a:t>/10.1038/sdata.2019.39.</a:t>
+            </a:r>
+          </a:p>
+        </p:txBody>
+      </p:sp>
+      <p:sp>
+        <p:nvSpPr>
+          <p:cNvPr id="14" name="TextBox 14"/>
+          <p:cNvSpPr txBox="1"/>
+          <p:nvPr/>
+        </p:nvSpPr>
+        <p:spPr>
+          <a:xfrm>
+            <a:off x="9129924" y="2314279"/>
+            <a:ext cx="8474744" cy="2384755"/>
+          </a:xfrm>
+          <a:prstGeom prst="rect">
+            <a:avLst/>
+          </a:prstGeom>
+        </p:spPr>
+        <p:txBody>
+          <a:bodyPr lIns="0" tIns="0" rIns="0" bIns="0" rtlCol="0" anchor="t">
+            <a:spAutoFit/>
+          </a:bodyPr>
+          <a:lstStyle/>
+          <a:p>
+            <a:pPr>
+              <a:lnSpc>
+                <a:spcPct val="150000"/>
+              </a:lnSpc>
+            </a:pPr>
+            <a:endParaRPr lang="en-IE" sz="1800" dirty="0">
+              <a:effectLst/>
+              <a:latin typeface="Times New Roman" panose="02020603050405020304" pitchFamily="18" charset="0"/>
+            </a:endParaRPr>
+          </a:p>
+          <a:p>
+            <a:r>
+              <a:rPr lang="en-IE" sz="2800" dirty="0">
+                <a:effectLst/>
+              </a:rPr>
+              <a:t>[2] </a:t>
+            </a:r>
+            <a:r>
+              <a:rPr lang="en-IE" sz="2499" dirty="0">
+                <a:solidFill>
+                  <a:srgbClr val="000000"/>
+                </a:solidFill>
+                <a:latin typeface="Arial"/>
+              </a:rPr>
+              <a:t>Amr </a:t>
+            </a:r>
+            <a:r>
+              <a:rPr lang="en-IE" sz="2499" dirty="0" err="1">
+                <a:solidFill>
+                  <a:srgbClr val="000000"/>
+                </a:solidFill>
+                <a:latin typeface="Arial"/>
+              </a:rPr>
+              <a:t>Zeedan</a:t>
+            </a:r>
+            <a:r>
+              <a:rPr lang="en-IE" sz="2499" dirty="0">
+                <a:solidFill>
+                  <a:srgbClr val="000000"/>
+                </a:solidFill>
+                <a:latin typeface="Arial"/>
+              </a:rPr>
+              <a:t>, Khaled Al-</a:t>
+            </a:r>
+            <a:r>
+              <a:rPr lang="en-IE" sz="2499" dirty="0" err="1">
+                <a:solidFill>
+                  <a:srgbClr val="000000"/>
+                </a:solidFill>
+                <a:latin typeface="Arial"/>
+              </a:rPr>
+              <a:t>Fakhroo</a:t>
+            </a:r>
+            <a:r>
+              <a:rPr lang="en-IE" sz="2499" dirty="0">
+                <a:solidFill>
+                  <a:srgbClr val="000000"/>
+                </a:solidFill>
+                <a:latin typeface="Arial"/>
+              </a:rPr>
+              <a:t>, and </a:t>
+            </a:r>
+            <a:r>
+              <a:rPr lang="en-IE" sz="2499" dirty="0" err="1">
+                <a:solidFill>
+                  <a:srgbClr val="000000"/>
+                </a:solidFill>
+                <a:latin typeface="Arial"/>
+              </a:rPr>
+              <a:t>Abdulaziz</a:t>
+            </a:r>
+            <a:r>
+              <a:rPr lang="en-IE" sz="2499" dirty="0">
+                <a:solidFill>
+                  <a:srgbClr val="000000"/>
+                </a:solidFill>
+                <a:latin typeface="Arial"/>
+              </a:rPr>
+              <a:t> </a:t>
+            </a:r>
+            <a:r>
+              <a:rPr lang="en-IE" sz="2499" dirty="0" err="1">
+                <a:solidFill>
+                  <a:srgbClr val="000000"/>
+                </a:solidFill>
+                <a:latin typeface="Arial"/>
+              </a:rPr>
+              <a:t>Barakeh</a:t>
+            </a:r>
+            <a:r>
+              <a:rPr lang="en-IE" sz="2499" dirty="0">
+                <a:solidFill>
+                  <a:srgbClr val="000000"/>
+                </a:solidFill>
+                <a:latin typeface="Arial"/>
+              </a:rPr>
+              <a:t>, “EEG-Based Seizure Detection Using Feed- Forward and LSTM Neural Networks Based on a Neonates Dataset,” OPAL (</a:t>
+            </a:r>
+            <a:r>
+              <a:rPr lang="en-IE" sz="2499" dirty="0" err="1">
+                <a:solidFill>
+                  <a:srgbClr val="000000"/>
+                </a:solidFill>
+                <a:latin typeface="Arial"/>
+              </a:rPr>
+              <a:t>Open@LaTrobe</a:t>
+            </a:r>
+            <a:r>
+              <a:rPr lang="en-IE" sz="2499" dirty="0">
+                <a:solidFill>
+                  <a:srgbClr val="000000"/>
+                </a:solidFill>
+                <a:latin typeface="Arial"/>
+              </a:rPr>
+              <a:t>) (La Trobe University), Sep. 2022, </a:t>
+            </a:r>
+            <a:r>
+              <a:rPr lang="en-IE" sz="2499" dirty="0" err="1">
+                <a:solidFill>
+                  <a:srgbClr val="000000"/>
+                </a:solidFill>
+                <a:latin typeface="Arial"/>
+              </a:rPr>
+              <a:t>doi</a:t>
+            </a:r>
+            <a:r>
+              <a:rPr lang="en-IE" sz="2499" dirty="0">
+                <a:solidFill>
+                  <a:srgbClr val="000000"/>
+                </a:solidFill>
+                <a:latin typeface="Arial"/>
+              </a:rPr>
+              <a:t>: https://</a:t>
+            </a:r>
+            <a:r>
+              <a:rPr lang="en-IE" sz="2499" dirty="0" err="1">
+                <a:solidFill>
+                  <a:srgbClr val="000000"/>
+                </a:solidFill>
+                <a:latin typeface="Arial"/>
+              </a:rPr>
+              <a:t>doi.org</a:t>
+            </a:r>
+            <a:r>
+              <a:rPr lang="en-IE" sz="2499" dirty="0">
+                <a:solidFill>
+                  <a:srgbClr val="000000"/>
+                </a:solidFill>
+                <a:latin typeface="Arial"/>
+              </a:rPr>
+              <a:t>/10.36227/techrxiv.20728411.</a:t>
+            </a:r>
+          </a:p>
+        </p:txBody>
+      </p:sp>
+      <p:sp>
+        <p:nvSpPr>
+          <p:cNvPr id="15" name="TextBox 15"/>
+          <p:cNvSpPr txBox="1"/>
+          <p:nvPr/>
+        </p:nvSpPr>
+        <p:spPr>
+          <a:xfrm>
+            <a:off x="9129924" y="4886922"/>
+            <a:ext cx="8839200" cy="2620461"/>
+          </a:xfrm>
+          <a:prstGeom prst="rect">
+            <a:avLst/>
+          </a:prstGeom>
+        </p:spPr>
+        <p:txBody>
+          <a:bodyPr wrap="square" lIns="0" tIns="0" rIns="0" bIns="0" rtlCol="0" anchor="t">
+            <a:spAutoFit/>
+          </a:bodyPr>
+          <a:lstStyle/>
+          <a:p>
+            <a:pPr>
+              <a:lnSpc>
+                <a:spcPct val="150000"/>
+              </a:lnSpc>
+            </a:pPr>
+            <a:endParaRPr lang="en-IE" sz="1800" dirty="0">
+              <a:effectLst/>
+              <a:latin typeface="Times New Roman" panose="02020603050405020304" pitchFamily="18" charset="0"/>
+            </a:endParaRPr>
+          </a:p>
+          <a:p>
+            <a:pPr>
+              <a:lnSpc>
+                <a:spcPts val="3499"/>
+              </a:lnSpc>
+            </a:pPr>
+            <a:r>
+              <a:rPr lang="en-IE" sz="2800" dirty="0">
+                <a:effectLst/>
+              </a:rPr>
+              <a:t>[3] </a:t>
+            </a:r>
+            <a:r>
+              <a:rPr lang="en-IE" sz="2499" dirty="0">
+                <a:solidFill>
+                  <a:srgbClr val="000000"/>
+                </a:solidFill>
+                <a:latin typeface="Arial"/>
+              </a:rPr>
+              <a:t>M. </a:t>
+            </a:r>
+            <a:r>
+              <a:rPr lang="en-IE" sz="2499" dirty="0" err="1">
+                <a:solidFill>
+                  <a:srgbClr val="000000"/>
+                </a:solidFill>
+                <a:latin typeface="Arial"/>
+              </a:rPr>
+              <a:t>Bhagubai</a:t>
+            </a:r>
+            <a:r>
+              <a:rPr lang="en-IE" sz="2499" dirty="0">
+                <a:solidFill>
+                  <a:srgbClr val="000000"/>
+                </a:solidFill>
+                <a:latin typeface="Arial"/>
+              </a:rPr>
+              <a:t> et al., “The Power of ECG in Semi-Automated Seizure Detection in Addition to Two-Channel behind-the-Ear EEG,” Bioengineering, vol. 10, no. 4, pp. 491–491, Apr. 2023, </a:t>
+            </a:r>
+            <a:r>
+              <a:rPr lang="en-IE" sz="2499" dirty="0" err="1">
+                <a:solidFill>
+                  <a:srgbClr val="000000"/>
+                </a:solidFill>
+                <a:latin typeface="Arial"/>
+              </a:rPr>
+              <a:t>doi</a:t>
+            </a:r>
+            <a:r>
+              <a:rPr lang="en-IE" sz="2499" dirty="0">
+                <a:solidFill>
+                  <a:srgbClr val="000000"/>
+                </a:solidFill>
+                <a:latin typeface="Arial"/>
+              </a:rPr>
+              <a:t>: https://</a:t>
+            </a:r>
+            <a:r>
+              <a:rPr lang="en-IE" sz="2499" dirty="0" err="1">
+                <a:solidFill>
+                  <a:srgbClr val="000000"/>
+                </a:solidFill>
+                <a:latin typeface="Arial"/>
+              </a:rPr>
+              <a:t>doi.org</a:t>
+            </a:r>
+            <a:r>
+              <a:rPr lang="en-IE" sz="2499" dirty="0">
+                <a:solidFill>
+                  <a:srgbClr val="000000"/>
+                </a:solidFill>
+                <a:latin typeface="Arial"/>
+              </a:rPr>
+              <a:t>/10.3390/bioengineering10040491.</a:t>
+            </a:r>
+          </a:p>
+          <a:p>
+            <a:pPr>
+              <a:lnSpc>
+                <a:spcPts val="3499"/>
+              </a:lnSpc>
+            </a:pPr>
+            <a:endParaRPr lang="en-US" sz="2499" dirty="0">
+              <a:solidFill>
+                <a:srgbClr val="000000"/>
+              </a:solidFill>
+              <a:latin typeface="Arial"/>
+            </a:endParaRPr>
+          </a:p>
+        </p:txBody>
+      </p:sp>
+      <p:sp>
+        <p:nvSpPr>
+          <p:cNvPr id="16" name="TextBox 16"/>
+          <p:cNvSpPr txBox="1"/>
+          <p:nvPr/>
+        </p:nvSpPr>
+        <p:spPr>
+          <a:xfrm>
+            <a:off x="9129924" y="7389529"/>
+            <a:ext cx="8474744" cy="2384755"/>
+          </a:xfrm>
+          <a:prstGeom prst="rect">
+            <a:avLst/>
+          </a:prstGeom>
+        </p:spPr>
+        <p:txBody>
+          <a:bodyPr lIns="0" tIns="0" rIns="0" bIns="0" rtlCol="0" anchor="t">
+            <a:spAutoFit/>
+          </a:bodyPr>
+          <a:lstStyle/>
+          <a:p>
+            <a:pPr>
+              <a:lnSpc>
+                <a:spcPct val="150000"/>
+              </a:lnSpc>
+            </a:pPr>
+            <a:endParaRPr lang="en-IE" sz="1800" dirty="0">
+              <a:effectLst/>
+              <a:latin typeface="Times New Roman" panose="02020603050405020304" pitchFamily="18" charset="0"/>
+            </a:endParaRPr>
+          </a:p>
+          <a:p>
+            <a:r>
+              <a:rPr lang="en-IE" sz="2800" dirty="0">
+                <a:effectLst/>
+              </a:rPr>
+              <a:t>[4] </a:t>
+            </a:r>
+            <a:r>
+              <a:rPr lang="en-IE" sz="2499" dirty="0">
+                <a:solidFill>
+                  <a:srgbClr val="000000"/>
+                </a:solidFill>
+                <a:latin typeface="Arial"/>
+              </a:rPr>
+              <a:t>G. </a:t>
+            </a:r>
+            <a:r>
+              <a:rPr lang="en-IE" sz="2499" dirty="0" err="1">
+                <a:solidFill>
+                  <a:srgbClr val="000000"/>
+                </a:solidFill>
+                <a:latin typeface="Arial"/>
+              </a:rPr>
+              <a:t>Japaridze</a:t>
+            </a:r>
+            <a:r>
+              <a:rPr lang="en-IE" sz="2499" dirty="0">
+                <a:solidFill>
+                  <a:srgbClr val="000000"/>
+                </a:solidFill>
+                <a:latin typeface="Arial"/>
+              </a:rPr>
+              <a:t> et al., “Automated detection of absence seizures using a wearable electroencephalographic device: a phase 3 validation study and feasibility of automated </a:t>
+            </a:r>
+            <a:r>
+              <a:rPr lang="en-IE" sz="2499" dirty="0" err="1">
+                <a:solidFill>
+                  <a:srgbClr val="000000"/>
+                </a:solidFill>
+                <a:latin typeface="Arial"/>
+              </a:rPr>
+              <a:t>behavioral</a:t>
+            </a:r>
+            <a:r>
+              <a:rPr lang="en-IE" sz="2499" dirty="0">
+                <a:solidFill>
+                  <a:srgbClr val="000000"/>
+                </a:solidFill>
+                <a:latin typeface="Arial"/>
+              </a:rPr>
+              <a:t> testing,” </a:t>
+            </a:r>
+            <a:r>
+              <a:rPr lang="en-IE" sz="2499" dirty="0" err="1">
+                <a:solidFill>
+                  <a:srgbClr val="000000"/>
+                </a:solidFill>
+                <a:latin typeface="Arial"/>
+              </a:rPr>
+              <a:t>Epilepsia</a:t>
+            </a:r>
+            <a:r>
+              <a:rPr lang="en-IE" sz="2499" dirty="0">
+                <a:solidFill>
+                  <a:srgbClr val="000000"/>
+                </a:solidFill>
+                <a:latin typeface="Arial"/>
+              </a:rPr>
+              <a:t>, Mar. 2022, </a:t>
+            </a:r>
+            <a:r>
+              <a:rPr lang="en-IE" sz="2499" dirty="0" err="1">
+                <a:solidFill>
+                  <a:srgbClr val="000000"/>
+                </a:solidFill>
+                <a:latin typeface="Arial"/>
+              </a:rPr>
+              <a:t>doi</a:t>
+            </a:r>
+            <a:r>
+              <a:rPr lang="en-IE" sz="2499" dirty="0">
+                <a:solidFill>
+                  <a:srgbClr val="000000"/>
+                </a:solidFill>
+                <a:latin typeface="Arial"/>
+              </a:rPr>
+              <a:t>: https://</a:t>
+            </a:r>
+            <a:r>
+              <a:rPr lang="en-IE" sz="2499" dirty="0" err="1">
+                <a:solidFill>
+                  <a:srgbClr val="000000"/>
+                </a:solidFill>
+                <a:latin typeface="Arial"/>
+              </a:rPr>
+              <a:t>doi.org</a:t>
+            </a:r>
+            <a:r>
+              <a:rPr lang="en-IE" sz="2499" dirty="0">
+                <a:solidFill>
+                  <a:srgbClr val="000000"/>
+                </a:solidFill>
+                <a:latin typeface="Arial"/>
+              </a:rPr>
+              <a:t>/10.1111/epi.17200.</a:t>
+            </a:r>
+          </a:p>
+        </p:txBody>
+      </p:sp>
+      <p:sp>
+        <p:nvSpPr>
+          <p:cNvPr id="19" name="TextBox 19"/>
+          <p:cNvSpPr txBox="1"/>
+          <p:nvPr/>
+        </p:nvSpPr>
+        <p:spPr>
+          <a:xfrm>
+            <a:off x="7468485" y="952500"/>
+            <a:ext cx="1155512" cy="1035685"/>
+          </a:xfrm>
+          <a:prstGeom prst="rect">
+            <a:avLst/>
+          </a:prstGeom>
+        </p:spPr>
+        <p:txBody>
+          <a:bodyPr lIns="0" tIns="0" rIns="0" bIns="0" rtlCol="0" anchor="t">
+            <a:spAutoFit/>
+          </a:bodyPr>
+          <a:lstStyle/>
+          <a:p>
+            <a:pPr algn="ctr">
+              <a:lnSpc>
+                <a:spcPts val="8539"/>
+              </a:lnSpc>
+            </a:pPr>
+            <a:r>
+              <a:rPr lang="en-US" sz="6099" dirty="0">
+                <a:solidFill>
+                  <a:srgbClr val="65A4CD"/>
+                </a:solidFill>
+                <a:latin typeface="Nunito Sans Semi-Bold"/>
+              </a:rPr>
+              <a:t>01</a:t>
+            </a:r>
+          </a:p>
+        </p:txBody>
+      </p:sp>
+      <p:sp>
+        <p:nvSpPr>
+          <p:cNvPr id="20" name="TextBox 20"/>
+          <p:cNvSpPr txBox="1"/>
+          <p:nvPr/>
+        </p:nvSpPr>
+        <p:spPr>
+          <a:xfrm>
+            <a:off x="7468485" y="8161070"/>
+            <a:ext cx="1155512" cy="1052211"/>
+          </a:xfrm>
+          <a:prstGeom prst="rect">
+            <a:avLst/>
+          </a:prstGeom>
+        </p:spPr>
+        <p:txBody>
+          <a:bodyPr lIns="0" tIns="0" rIns="0" bIns="0" rtlCol="0" anchor="t">
+            <a:spAutoFit/>
+          </a:bodyPr>
+          <a:lstStyle/>
+          <a:p>
+            <a:pPr algn="ctr">
+              <a:lnSpc>
+                <a:spcPts val="8539"/>
+              </a:lnSpc>
+            </a:pPr>
+            <a:r>
+              <a:rPr lang="en-US" sz="6099" dirty="0">
+                <a:solidFill>
+                  <a:srgbClr val="65A4CD"/>
+                </a:solidFill>
+                <a:latin typeface="Nunito Sans Semi-Bold"/>
+              </a:rPr>
+              <a:t>04</a:t>
+            </a:r>
+          </a:p>
+        </p:txBody>
+      </p:sp>
+      <p:sp>
+        <p:nvSpPr>
+          <p:cNvPr id="21" name="TextBox 21"/>
+          <p:cNvSpPr txBox="1"/>
+          <p:nvPr/>
+        </p:nvSpPr>
+        <p:spPr>
+          <a:xfrm>
+            <a:off x="7468485" y="3208377"/>
+            <a:ext cx="1155512" cy="1052211"/>
+          </a:xfrm>
+          <a:prstGeom prst="rect">
+            <a:avLst/>
+          </a:prstGeom>
+        </p:spPr>
+        <p:txBody>
+          <a:bodyPr lIns="0" tIns="0" rIns="0" bIns="0" rtlCol="0" anchor="t">
+            <a:spAutoFit/>
+          </a:bodyPr>
+          <a:lstStyle/>
+          <a:p>
+            <a:pPr algn="ctr">
+              <a:lnSpc>
+                <a:spcPts val="8539"/>
+              </a:lnSpc>
+            </a:pPr>
+            <a:r>
+              <a:rPr lang="en-US" sz="6099" dirty="0">
+                <a:solidFill>
+                  <a:srgbClr val="65A4CD"/>
+                </a:solidFill>
+                <a:latin typeface="Nunito Sans"/>
+              </a:rPr>
+              <a:t>02</a:t>
+            </a:r>
+          </a:p>
+        </p:txBody>
+      </p:sp>
+      <p:sp>
+        <p:nvSpPr>
+          <p:cNvPr id="22" name="TextBox 22"/>
+          <p:cNvSpPr txBox="1"/>
+          <p:nvPr/>
+        </p:nvSpPr>
+        <p:spPr>
+          <a:xfrm>
+            <a:off x="7474590" y="5679309"/>
+            <a:ext cx="1155512" cy="1052211"/>
+          </a:xfrm>
+          <a:prstGeom prst="rect">
+            <a:avLst/>
+          </a:prstGeom>
+        </p:spPr>
+        <p:txBody>
+          <a:bodyPr lIns="0" tIns="0" rIns="0" bIns="0" rtlCol="0" anchor="t">
+            <a:spAutoFit/>
+          </a:bodyPr>
+          <a:lstStyle/>
+          <a:p>
+            <a:pPr algn="ctr">
+              <a:lnSpc>
+                <a:spcPts val="8539"/>
+              </a:lnSpc>
+            </a:pPr>
+            <a:r>
+              <a:rPr lang="en-US" sz="6099" dirty="0">
+                <a:solidFill>
+                  <a:srgbClr val="65A4CD"/>
+                </a:solidFill>
+                <a:latin typeface="Nunito Sans Semi-Bold"/>
+              </a:rPr>
+              <a:t>03</a:t>
+            </a:r>
+          </a:p>
+        </p:txBody>
+      </p:sp>
+    </p:spTree>
+  </p:cSld>
+  <p:clrMapOvr>
+    <a:masterClrMapping/>
+  </p:clrMapOvr>
+</p:sld>
+</file>
+
+<file path=ppt/slides/slide9.xml><?xml version="1.0" encoding="utf-8"?>
 <p:sld xmlns:a="http://schemas.openxmlformats.org/drawingml/2006/main" xmlns:r="http://schemas.openxmlformats.org/officeDocument/2006/relationships" xmlns:p="http://schemas.openxmlformats.org/presentationml/2006/main">
   <p:cSld>
     <p:spTree>
